--- a/Slides/Glenn Versweyveld/20171006 - Xamarin Workbooks.pptx
+++ b/Slides/Glenn Versweyveld/20171006 - Xamarin Workbooks.pptx
@@ -201,7 +201,7 @@
           <a:p>
             <a:fld id="{91C5F395-1519-D946-BCC6-A9D4E58A22D7}" type="datetimeFigureOut">
               <a:rPr lang="en-US" smtClean="0"/>
-              <a:t>9/25/17</a:t>
+              <a:t>10/6/17</a:t>
             </a:fld>
             <a:endParaRPr lang="en-US"/>
           </a:p>
@@ -936,7 +936,7 @@
           <a:p>
             <a:fld id="{1F8ACFAE-BC0A-2349-A16A-4E92DBEC511A}" type="datetimeFigureOut">
               <a:rPr lang="en-US" smtClean="0"/>
-              <a:t>9/25/17</a:t>
+              <a:t>10/6/17</a:t>
             </a:fld>
             <a:endParaRPr lang="en-US"/>
           </a:p>
@@ -1106,7 +1106,7 @@
           <a:p>
             <a:fld id="{1F8ACFAE-BC0A-2349-A16A-4E92DBEC511A}" type="datetimeFigureOut">
               <a:rPr lang="en-US" smtClean="0"/>
-              <a:t>9/25/17</a:t>
+              <a:t>10/6/17</a:t>
             </a:fld>
             <a:endParaRPr lang="en-US"/>
           </a:p>
@@ -1286,7 +1286,7 @@
           <a:p>
             <a:fld id="{1F8ACFAE-BC0A-2349-A16A-4E92DBEC511A}" type="datetimeFigureOut">
               <a:rPr lang="en-US" smtClean="0"/>
-              <a:t>9/25/17</a:t>
+              <a:t>10/6/17</a:t>
             </a:fld>
             <a:endParaRPr lang="en-US"/>
           </a:p>
@@ -1456,7 +1456,7 @@
           <a:p>
             <a:fld id="{1F8ACFAE-BC0A-2349-A16A-4E92DBEC511A}" type="datetimeFigureOut">
               <a:rPr lang="en-US" smtClean="0"/>
-              <a:t>9/25/17</a:t>
+              <a:t>10/6/17</a:t>
             </a:fld>
             <a:endParaRPr lang="en-US"/>
           </a:p>
@@ -1702,7 +1702,7 @@
           <a:p>
             <a:fld id="{1F8ACFAE-BC0A-2349-A16A-4E92DBEC511A}" type="datetimeFigureOut">
               <a:rPr lang="en-US" smtClean="0"/>
-              <a:t>9/25/17</a:t>
+              <a:t>10/6/17</a:t>
             </a:fld>
             <a:endParaRPr lang="en-US"/>
           </a:p>
@@ -1934,7 +1934,7 @@
           <a:p>
             <a:fld id="{1F8ACFAE-BC0A-2349-A16A-4E92DBEC511A}" type="datetimeFigureOut">
               <a:rPr lang="en-US" smtClean="0"/>
-              <a:t>9/25/17</a:t>
+              <a:t>10/6/17</a:t>
             </a:fld>
             <a:endParaRPr lang="en-US"/>
           </a:p>
@@ -2301,7 +2301,7 @@
           <a:p>
             <a:fld id="{1F8ACFAE-BC0A-2349-A16A-4E92DBEC511A}" type="datetimeFigureOut">
               <a:rPr lang="en-US" smtClean="0"/>
-              <a:t>9/25/17</a:t>
+              <a:t>10/6/17</a:t>
             </a:fld>
             <a:endParaRPr lang="en-US"/>
           </a:p>
@@ -2419,7 +2419,7 @@
           <a:p>
             <a:fld id="{1F8ACFAE-BC0A-2349-A16A-4E92DBEC511A}" type="datetimeFigureOut">
               <a:rPr lang="en-US" smtClean="0"/>
-              <a:t>9/25/17</a:t>
+              <a:t>10/6/17</a:t>
             </a:fld>
             <a:endParaRPr lang="en-US"/>
           </a:p>
@@ -2514,7 +2514,7 @@
           <a:p>
             <a:fld id="{1F8ACFAE-BC0A-2349-A16A-4E92DBEC511A}" type="datetimeFigureOut">
               <a:rPr lang="en-US" smtClean="0"/>
-              <a:t>9/25/17</a:t>
+              <a:t>10/6/17</a:t>
             </a:fld>
             <a:endParaRPr lang="en-US"/>
           </a:p>
@@ -2791,7 +2791,7 @@
           <a:p>
             <a:fld id="{1F8ACFAE-BC0A-2349-A16A-4E92DBEC511A}" type="datetimeFigureOut">
               <a:rPr lang="en-US" smtClean="0"/>
-              <a:t>9/25/17</a:t>
+              <a:t>10/6/17</a:t>
             </a:fld>
             <a:endParaRPr lang="en-US"/>
           </a:p>
@@ -3044,7 +3044,7 @@
           <a:p>
             <a:fld id="{1F8ACFAE-BC0A-2349-A16A-4E92DBEC511A}" type="datetimeFigureOut">
               <a:rPr lang="en-US" smtClean="0"/>
-              <a:t>9/25/17</a:t>
+              <a:t>10/6/17</a:t>
             </a:fld>
             <a:endParaRPr lang="en-US"/>
           </a:p>
@@ -3257,7 +3257,7 @@
           <a:p>
             <a:fld id="{1F8ACFAE-BC0A-2349-A16A-4E92DBEC511A}" type="datetimeFigureOut">
               <a:rPr lang="en-US" smtClean="0"/>
-              <a:t>9/25/17</a:t>
+              <a:t>10/6/17</a:t>
             </a:fld>
             <a:endParaRPr lang="en-US"/>
           </a:p>
@@ -3694,7 +3694,7 @@
               <a:t>Xamarin</a:t>
             </a:r>
             <a:r>
-              <a:rPr lang="en-US" dirty="0" smtClean="0">
+              <a:rPr lang="en-US" smtClean="0">
                 <a:solidFill>
                   <a:srgbClr val="2BA5BD"/>
                 </a:solidFill>
@@ -3702,12 +3702,12 @@
               <a:t> </a:t>
             </a:r>
             <a:r>
-              <a:rPr lang="en-US" dirty="0" err="1" smtClean="0">
+              <a:rPr lang="en-US" smtClean="0">
                 <a:solidFill>
                   <a:srgbClr val="2BA5BD"/>
                 </a:solidFill>
               </a:rPr>
-              <a:t>Workboks</a:t>
+              <a:t>Workbooks</a:t>
             </a:r>
             <a:endParaRPr lang="en-US" dirty="0">
               <a:solidFill>
@@ -3907,11 +3907,6 @@
               </a:rPr>
               <a:t>MVP</a:t>
             </a:r>
-            <a:endParaRPr lang="en-US" sz="1800" dirty="0" smtClean="0">
-              <a:solidFill>
-                <a:srgbClr val="2BA5BD"/>
-              </a:solidFill>
-            </a:endParaRPr>
           </a:p>
           <a:p>
             <a:pPr algn="l"/>
@@ -3942,11 +3937,6 @@
               </a:rPr>
               <a:t> MVP</a:t>
             </a:r>
-            <a:endParaRPr lang="en-US" sz="1800" dirty="0" smtClean="0">
-              <a:solidFill>
-                <a:srgbClr val="2BA5BD"/>
-              </a:solidFill>
-            </a:endParaRPr>
           </a:p>
         </p:txBody>
       </p:sp>
@@ -4327,11 +4317,6 @@
               </a:rPr>
               <a:t>Teaching aids</a:t>
             </a:r>
-            <a:endParaRPr lang="en-US" dirty="0" smtClean="0">
-              <a:solidFill>
-                <a:srgbClr val="2BA5BD"/>
-              </a:solidFill>
-            </a:endParaRPr>
           </a:p>
         </p:txBody>
       </p:sp>
@@ -5084,11 +5069,6 @@
               </a:rPr>
               <a:t>DEMO</a:t>
             </a:r>
-            <a:endParaRPr lang="en-US" sz="3200" dirty="0" smtClean="0">
-              <a:solidFill>
-                <a:srgbClr val="2BA5BD"/>
-              </a:solidFill>
-            </a:endParaRPr>
           </a:p>
         </p:txBody>
       </p:sp>
